--- a/MySQL实战/40insert语句的锁为什么这么多？.pptx
+++ b/MySQL实战/40insert语句的锁为什么这么多？.pptx
@@ -6818,10 +6818,6 @@
               </a:rPr>
               <a:t>语句的锁为什么这么多？</a:t>
             </a:r>
-            <a:endParaRPr lang="zh-CN" altLang="en-US" sz="3200" b="1" dirty="0">
-              <a:latin typeface="微软雅黑" panose="020B0503020204020204" pitchFamily="34" charset="-122"/>
-              <a:ea typeface="微软雅黑" panose="020B0503020204020204" pitchFamily="34" charset="-122"/>
-            </a:endParaRPr>
           </a:p>
         </p:txBody>
       </p:sp>
@@ -7094,10 +7090,6 @@
               </a:rPr>
               <a:t>语句的锁为什么这么多？</a:t>
             </a:r>
-            <a:endParaRPr lang="zh-CN" altLang="en-US" sz="3200" b="1" dirty="0">
-              <a:latin typeface="微软雅黑" panose="020B0503020204020204" pitchFamily="34" charset="-122"/>
-              <a:ea typeface="微软雅黑" panose="020B0503020204020204" pitchFamily="34" charset="-122"/>
-            </a:endParaRPr>
           </a:p>
         </p:txBody>
       </p:sp>
@@ -7724,13 +7716,6 @@
                         </a:rPr>
                         <a:t>insert into t values(-1,-1,-1)</a:t>
                       </a:r>
-                      <a:endParaRPr lang="en-US" altLang="zh-CN" sz="1200" baseline="0" dirty="0" smtClean="0">
-                        <a:solidFill>
-                          <a:schemeClr val="bg1"/>
-                        </a:solidFill>
-                        <a:latin typeface="微软雅黑" panose="020B0503020204020204" pitchFamily="34" charset="-122"/>
-                        <a:ea typeface="微软雅黑" panose="020B0503020204020204" pitchFamily="34" charset="-122"/>
-                      </a:endParaRPr>
                     </a:p>
                   </a:txBody>
                   <a:tcPr/>
@@ -8322,17 +8307,7 @@
                 <a:latin typeface="微软雅黑" panose="020B0503020204020204" pitchFamily="34" charset="-122"/>
                 <a:ea typeface="微软雅黑" panose="020B0503020204020204" pitchFamily="34" charset="-122"/>
               </a:rPr>
-              <a:t>insert </a:t>
-            </a:r>
-            <a:r>
-              <a:rPr lang="en-US" altLang="zh-CN" sz="1400" dirty="0" smtClean="0">
-                <a:solidFill>
-                  <a:srgbClr val="FFFF00"/>
-                </a:solidFill>
-                <a:latin typeface="微软雅黑" panose="020B0503020204020204" pitchFamily="34" charset="-122"/>
-                <a:ea typeface="微软雅黑" panose="020B0503020204020204" pitchFamily="34" charset="-122"/>
-              </a:rPr>
-              <a:t>… select </a:t>
+              <a:t>insert … select </a:t>
             </a:r>
             <a:r>
               <a:rPr lang="zh-CN" altLang="en-US" sz="1400" dirty="0" smtClean="0">
@@ -8546,10 +8521,6 @@
               </a:rPr>
               <a:t>语句的锁为什么这么多？</a:t>
             </a:r>
-            <a:endParaRPr lang="zh-CN" altLang="en-US" sz="3200" b="1" dirty="0">
-              <a:latin typeface="微软雅黑" panose="020B0503020204020204" pitchFamily="34" charset="-122"/>
-              <a:ea typeface="微软雅黑" panose="020B0503020204020204" pitchFamily="34" charset="-122"/>
-            </a:endParaRPr>
           </a:p>
         </p:txBody>
       </p:sp>
@@ -9369,75 +9340,57 @@
                 <a:latin typeface="微软雅黑" panose="020B0503020204020204" pitchFamily="34" charset="-122"/>
                 <a:ea typeface="微软雅黑" panose="020B0503020204020204" pitchFamily="34" charset="-122"/>
               </a:rPr>
-              <a:t>第一次是定位</a:t>
+              <a:t>第一次是定位到</a:t>
+            </a:r>
+            <a:r>
+              <a:rPr lang="en-US" altLang="zh-CN" sz="1200" dirty="0" smtClean="0">
+                <a:latin typeface="微软雅黑" panose="020B0503020204020204" pitchFamily="34" charset="-122"/>
+                <a:ea typeface="微软雅黑" panose="020B0503020204020204" pitchFamily="34" charset="-122"/>
+              </a:rPr>
+              <a:t>4</a:t>
             </a:r>
             <a:r>
               <a:rPr lang="zh-CN" altLang="en-US" sz="1200" dirty="0" smtClean="0">
                 <a:latin typeface="微软雅黑" panose="020B0503020204020204" pitchFamily="34" charset="-122"/>
                 <a:ea typeface="微软雅黑" panose="020B0503020204020204" pitchFamily="34" charset="-122"/>
               </a:rPr>
-              <a:t>到</a:t>
+              <a:t>，所以加锁</a:t>
             </a:r>
             <a:r>
               <a:rPr lang="en-US" altLang="zh-CN" sz="1200" dirty="0" smtClean="0">
                 <a:latin typeface="微软雅黑" panose="020B0503020204020204" pitchFamily="34" charset="-122"/>
                 <a:ea typeface="微软雅黑" panose="020B0503020204020204" pitchFamily="34" charset="-122"/>
               </a:rPr>
-              <a:t>4</a:t>
+              <a:t>(</a:t>
+            </a:r>
+            <a:r>
+              <a:rPr lang="en-US" altLang="zh-CN" sz="1200" dirty="0">
+                <a:latin typeface="微软雅黑" panose="020B0503020204020204" pitchFamily="34" charset="-122"/>
+                <a:ea typeface="微软雅黑" panose="020B0503020204020204" pitchFamily="34" charset="-122"/>
+              </a:rPr>
+              <a:t>3</a:t>
+            </a:r>
+            <a:r>
+              <a:rPr lang="en-US" altLang="zh-CN" sz="1200" dirty="0" smtClean="0">
+                <a:latin typeface="微软雅黑" panose="020B0503020204020204" pitchFamily="34" charset="-122"/>
+                <a:ea typeface="微软雅黑" panose="020B0503020204020204" pitchFamily="34" charset="-122"/>
+              </a:rPr>
+              <a:t>,4]</a:t>
             </a:r>
             <a:r>
               <a:rPr lang="zh-CN" altLang="en-US" sz="1200" dirty="0" smtClean="0">
                 <a:latin typeface="微软雅黑" panose="020B0503020204020204" pitchFamily="34" charset="-122"/>
                 <a:ea typeface="微软雅黑" panose="020B0503020204020204" pitchFamily="34" charset="-122"/>
               </a:rPr>
-              <a:t>，</a:t>
-            </a:r>
-            <a:r>
-              <a:rPr lang="zh-CN" altLang="en-US" sz="1200" dirty="0" smtClean="0">
-                <a:latin typeface="微软雅黑" panose="020B0503020204020204" pitchFamily="34" charset="-122"/>
-                <a:ea typeface="微软雅黑" panose="020B0503020204020204" pitchFamily="34" charset="-122"/>
-              </a:rPr>
-              <a:t>所以加锁</a:t>
+              <a:t>，同时主键加行锁</a:t>
             </a:r>
             <a:r>
               <a:rPr lang="en-US" altLang="zh-CN" sz="1200" dirty="0" smtClean="0">
                 <a:latin typeface="微软雅黑" panose="020B0503020204020204" pitchFamily="34" charset="-122"/>
                 <a:ea typeface="微软雅黑" panose="020B0503020204020204" pitchFamily="34" charset="-122"/>
               </a:rPr>
-              <a:t>(</a:t>
-            </a:r>
-            <a:r>
-              <a:rPr lang="en-US" altLang="zh-CN" sz="1200" dirty="0">
-                <a:latin typeface="微软雅黑" panose="020B0503020204020204" pitchFamily="34" charset="-122"/>
-                <a:ea typeface="微软雅黑" panose="020B0503020204020204" pitchFamily="34" charset="-122"/>
-              </a:rPr>
-              <a:t>3</a:t>
-            </a:r>
-            <a:r>
-              <a:rPr lang="en-US" altLang="zh-CN" sz="1200" dirty="0" smtClean="0">
-                <a:latin typeface="微软雅黑" panose="020B0503020204020204" pitchFamily="34" charset="-122"/>
-                <a:ea typeface="微软雅黑" panose="020B0503020204020204" pitchFamily="34" charset="-122"/>
-              </a:rPr>
-              <a:t>,4]</a:t>
-            </a:r>
-            <a:r>
-              <a:rPr lang="zh-CN" altLang="en-US" sz="1200" dirty="0" smtClean="0">
-                <a:latin typeface="微软雅黑" panose="020B0503020204020204" pitchFamily="34" charset="-122"/>
-                <a:ea typeface="微软雅黑" panose="020B0503020204020204" pitchFamily="34" charset="-122"/>
-              </a:rPr>
-              <a:t>，同时主键加行锁</a:t>
-            </a:r>
-            <a:r>
-              <a:rPr lang="en-US" altLang="zh-CN" sz="1200" dirty="0" smtClean="0">
-                <a:latin typeface="微软雅黑" panose="020B0503020204020204" pitchFamily="34" charset="-122"/>
-                <a:ea typeface="微软雅黑" panose="020B0503020204020204" pitchFamily="34" charset="-122"/>
-              </a:rPr>
               <a:t>id=4</a:t>
             </a:r>
-            <a:endParaRPr lang="en-US" altLang="zh-CN" sz="1200" dirty="0" smtClean="0">
-              <a:latin typeface="微软雅黑" panose="020B0503020204020204" pitchFamily="34" charset="-122"/>
-              <a:ea typeface="微软雅黑" panose="020B0503020204020204" pitchFamily="34" charset="-122"/>
-            </a:endParaRPr>
           </a:p>
         </p:txBody>
       </p:sp>
@@ -10279,35 +10232,21 @@
                 <a:latin typeface="微软雅黑" panose="020B0503020204020204" pitchFamily="34" charset="-122"/>
                 <a:ea typeface="微软雅黑" panose="020B0503020204020204" pitchFamily="34" charset="-122"/>
               </a:rPr>
-              <a:t>但不确定是否是第一行，所以往右扫描发现已是最大行，加</a:t>
+              <a:t>但不确定是否是第一行，所以往右扫描发现已是最大行，加锁</a:t>
+            </a:r>
+            <a:r>
+              <a:rPr lang="en-US" altLang="zh-CN" sz="1200" dirty="0" smtClean="0">
+                <a:latin typeface="微软雅黑" panose="020B0503020204020204" pitchFamily="34" charset="-122"/>
+                <a:ea typeface="微软雅黑" panose="020B0503020204020204" pitchFamily="34" charset="-122"/>
+              </a:rPr>
+              <a:t>(4,</a:t>
             </a:r>
             <a:r>
               <a:rPr lang="zh-CN" altLang="en-US" sz="1200" dirty="0" smtClean="0">
                 <a:latin typeface="微软雅黑" panose="020B0503020204020204" pitchFamily="34" charset="-122"/>
                 <a:ea typeface="微软雅黑" panose="020B0503020204020204" pitchFamily="34" charset="-122"/>
               </a:rPr>
-              <a:t>锁</a:t>
-            </a:r>
-            <a:r>
-              <a:rPr lang="en-US" altLang="zh-CN" sz="1200" dirty="0" smtClean="0">
-                <a:latin typeface="微软雅黑" panose="020B0503020204020204" pitchFamily="34" charset="-122"/>
-                <a:ea typeface="微软雅黑" panose="020B0503020204020204" pitchFamily="34" charset="-122"/>
-              </a:rPr>
-              <a:t>(4,</a:t>
-            </a:r>
-            <a:r>
-              <a:rPr lang="zh-CN" altLang="en-US" sz="1200" dirty="0" smtClean="0">
-                <a:latin typeface="微软雅黑" panose="020B0503020204020204" pitchFamily="34" charset="-122"/>
-                <a:ea typeface="微软雅黑" panose="020B0503020204020204" pitchFamily="34" charset="-122"/>
-              </a:rPr>
-              <a:t>∞</a:t>
-            </a:r>
-            <a:r>
-              <a:rPr lang="zh-CN" altLang="en-US" sz="1200" dirty="0" smtClean="0">
-                <a:latin typeface="微软雅黑" panose="020B0503020204020204" pitchFamily="34" charset="-122"/>
-                <a:ea typeface="微软雅黑" panose="020B0503020204020204" pitchFamily="34" charset="-122"/>
-              </a:rPr>
-              <a:t>）</a:t>
+              <a:t>∞）</a:t>
             </a:r>
             <a:endParaRPr lang="en-US" altLang="zh-CN" sz="1200" dirty="0" smtClean="0">
               <a:latin typeface="微软雅黑" panose="020B0503020204020204" pitchFamily="34" charset="-122"/>
@@ -10991,10 +10930,6 @@
               </a:rPr>
               <a:t>t2</a:t>
             </a:r>
-            <a:endParaRPr lang="en-US" altLang="zh-CN" sz="1200" dirty="0" smtClean="0">
-              <a:latin typeface="微软雅黑" panose="020B0503020204020204" pitchFamily="34" charset="-122"/>
-              <a:ea typeface="微软雅黑" panose="020B0503020204020204" pitchFamily="34" charset="-122"/>
-            </a:endParaRPr>
           </a:p>
         </p:txBody>
       </p:sp>
@@ -11069,10 +11004,6 @@
               </a:rPr>
               <a:t>语句的锁为什么这么多？</a:t>
             </a:r>
-            <a:endParaRPr lang="zh-CN" altLang="en-US" sz="3200" b="1" dirty="0">
-              <a:latin typeface="微软雅黑" panose="020B0503020204020204" pitchFamily="34" charset="-122"/>
-              <a:ea typeface="微软雅黑" panose="020B0503020204020204" pitchFamily="34" charset="-122"/>
-            </a:endParaRPr>
           </a:p>
         </p:txBody>
       </p:sp>
@@ -14247,7 +14178,7 @@
         </p:nvSpPr>
         <p:spPr>
           <a:xfrm>
-            <a:off x="10391939" y="3867076"/>
+            <a:off x="10106768" y="3997463"/>
             <a:ext cx="1770198" cy="1314000"/>
           </a:xfrm>
           <a:prstGeom prst="wedgeRectCallout">
@@ -14356,7 +14287,7 @@
         <p:spPr>
           <a:xfrm>
             <a:off x="360840" y="5720525"/>
-            <a:ext cx="11259659" cy="1169551"/>
+            <a:ext cx="11259659" cy="1384995"/>
           </a:xfrm>
           <a:prstGeom prst="rect">
             <a:avLst/>
@@ -14376,8 +14307,27 @@
                 <a:latin typeface="微软雅黑" panose="020B0503020204020204" pitchFamily="34" charset="-122"/>
                 <a:ea typeface="微软雅黑" panose="020B0503020204020204" pitchFamily="34" charset="-122"/>
               </a:rPr>
-              <a:t>利用内存临时表进行优化：</a:t>
-            </a:r>
+              <a:t>利用内存临时表进行优化</a:t>
+            </a:r>
+            <a:r>
+              <a:rPr lang="zh-CN" altLang="en-US" sz="1400" dirty="0" smtClean="0">
+                <a:solidFill>
+                  <a:srgbClr val="FFFF00"/>
+                </a:solidFill>
+                <a:latin typeface="微软雅黑" panose="020B0503020204020204" pitchFamily="34" charset="-122"/>
+                <a:ea typeface="微软雅黑" panose="020B0503020204020204" pitchFamily="34" charset="-122"/>
+              </a:rPr>
+              <a:t>：</a:t>
+            </a:r>
+            <a:endParaRPr lang="en-US" altLang="zh-CN" sz="1400" dirty="0" smtClean="0">
+              <a:solidFill>
+                <a:srgbClr val="FFFF00"/>
+              </a:solidFill>
+              <a:latin typeface="微软雅黑" panose="020B0503020204020204" pitchFamily="34" charset="-122"/>
+              <a:ea typeface="微软雅黑" panose="020B0503020204020204" pitchFamily="34" charset="-122"/>
+            </a:endParaRPr>
+          </a:p>
+          <a:p>
             <a:r>
               <a:rPr lang="en-US" altLang="zh-CN" sz="1400" dirty="0" smtClean="0">
                 <a:solidFill>
